--- a/HW 1/CSC 706 HW 1 Presentation.pptx
+++ b/HW 1/CSC 706 HW 1 Presentation.pptx
@@ -387,7 +387,7 @@
             <a:fld id="{B61BEF0D-F0BB-DE4B-95CE-6DB70DBA9567}" type="datetimeFigureOut">
               <a:rPr lang="en-US" dirty="0"/>
               <a:pPr/>
-              <a:t>2/24/2021</a:t>
+              <a:t>3/1/2021</a:t>
             </a:fld>
             <a:endParaRPr lang="en-US" dirty="0"/>
           </a:p>
@@ -646,7 +646,7 @@
             <a:fld id="{B61BEF0D-F0BB-DE4B-95CE-6DB70DBA9567}" type="datetimeFigureOut">
               <a:rPr lang="en-US" dirty="0"/>
               <a:pPr/>
-              <a:t>2/24/2021</a:t>
+              <a:t>3/1/2021</a:t>
             </a:fld>
             <a:endParaRPr lang="en-US" dirty="0"/>
           </a:p>
@@ -878,7 +878,7 @@
             <a:fld id="{B61BEF0D-F0BB-DE4B-95CE-6DB70DBA9567}" type="datetimeFigureOut">
               <a:rPr lang="en-US" dirty="0"/>
               <a:pPr/>
-              <a:t>2/24/2021</a:t>
+              <a:t>3/1/2021</a:t>
             </a:fld>
             <a:endParaRPr lang="en-US" dirty="0"/>
           </a:p>
@@ -1115,7 +1115,7 @@
             <a:fld id="{B61BEF0D-F0BB-DE4B-95CE-6DB70DBA9567}" type="datetimeFigureOut">
               <a:rPr lang="en-US" dirty="0"/>
               <a:pPr/>
-              <a:t>2/24/2021</a:t>
+              <a:t>3/1/2021</a:t>
             </a:fld>
             <a:endParaRPr lang="en-US" dirty="0"/>
           </a:p>
@@ -1419,7 +1419,7 @@
             <a:fld id="{B61BEF0D-F0BB-DE4B-95CE-6DB70DBA9567}" type="datetimeFigureOut">
               <a:rPr lang="en-US" dirty="0"/>
               <a:pPr/>
-              <a:t>2/24/2021</a:t>
+              <a:t>3/1/2021</a:t>
             </a:fld>
             <a:endParaRPr lang="en-US" dirty="0"/>
           </a:p>
@@ -1718,7 +1718,7 @@
             <a:fld id="{B61BEF0D-F0BB-DE4B-95CE-6DB70DBA9567}" type="datetimeFigureOut">
               <a:rPr lang="en-US" dirty="0"/>
               <a:pPr/>
-              <a:t>2/24/2021</a:t>
+              <a:t>3/1/2021</a:t>
             </a:fld>
             <a:endParaRPr lang="en-US" dirty="0"/>
           </a:p>
@@ -2137,7 +2137,7 @@
             <a:fld id="{B61BEF0D-F0BB-DE4B-95CE-6DB70DBA9567}" type="datetimeFigureOut">
               <a:rPr lang="en-US" dirty="0"/>
               <a:pPr/>
-              <a:t>2/24/2021</a:t>
+              <a:t>3/1/2021</a:t>
             </a:fld>
             <a:endParaRPr lang="en-US" dirty="0"/>
           </a:p>
@@ -2296,7 +2296,7 @@
             <a:fld id="{B61BEF0D-F0BB-DE4B-95CE-6DB70DBA9567}" type="datetimeFigureOut">
               <a:rPr lang="en-US" dirty="0"/>
               <a:pPr/>
-              <a:t>2/24/2021</a:t>
+              <a:t>3/1/2021</a:t>
             </a:fld>
             <a:endParaRPr lang="en-US" dirty="0"/>
           </a:p>
@@ -2388,7 +2388,7 @@
             <a:fld id="{B61BEF0D-F0BB-DE4B-95CE-6DB70DBA9567}" type="datetimeFigureOut">
               <a:rPr lang="en-US" dirty="0"/>
               <a:pPr/>
-              <a:t>2/24/2021</a:t>
+              <a:t>3/1/2021</a:t>
             </a:fld>
             <a:endParaRPr lang="en-US" dirty="0"/>
           </a:p>
@@ -2763,7 +2763,7 @@
             <a:fld id="{B61BEF0D-F0BB-DE4B-95CE-6DB70DBA9567}" type="datetimeFigureOut">
               <a:rPr lang="en-US" dirty="0"/>
               <a:pPr/>
-              <a:t>2/24/2021</a:t>
+              <a:t>3/1/2021</a:t>
             </a:fld>
             <a:endParaRPr lang="en-US" dirty="0"/>
           </a:p>
@@ -3049,7 +3049,7 @@
             <a:fld id="{B61BEF0D-F0BB-DE4B-95CE-6DB70DBA9567}" type="datetimeFigureOut">
               <a:rPr lang="en-US" dirty="0"/>
               <a:pPr/>
-              <a:t>2/24/2021</a:t>
+              <a:t>3/1/2021</a:t>
             </a:fld>
             <a:endParaRPr lang="en-US" dirty="0"/>
           </a:p>
@@ -3257,7 +3257,7 @@
             <a:fld id="{B61BEF0D-F0BB-DE4B-95CE-6DB70DBA9567}" type="datetimeFigureOut">
               <a:rPr lang="en-US" dirty="0"/>
               <a:pPr/>
-              <a:t>2/24/2021</a:t>
+              <a:t>3/1/2021</a:t>
             </a:fld>
             <a:endParaRPr lang="en-US" dirty="0"/>
           </a:p>
@@ -3924,7 +3924,7 @@
               <a:t> </a:t>
             </a:r>
             <a:r>
-              <a:rPr lang="en-US"/>
+              <a:rPr lang="en-US" dirty="0" err="1"/>
               <a:t>konstatin</a:t>
             </a:r>
             <a:endParaRPr lang="en-US" dirty="0"/>
@@ -4200,11 +4200,14 @@
           </a:bodyPr>
           <a:lstStyle/>
           <a:p>
-            <a:endParaRPr lang="en-US">
-              <a:solidFill>
-                <a:schemeClr val="bg1"/>
-              </a:solidFill>
-            </a:endParaRPr>
+            <a:r>
+              <a:rPr lang="en-US" dirty="0">
+                <a:solidFill>
+                  <a:schemeClr val="bg1"/>
+                </a:solidFill>
+              </a:rPr>
+              <a:t>The complete image.</a:t>
+            </a:r>
           </a:p>
         </p:txBody>
       </p:sp>
@@ -4230,8 +4233,8 @@
         </p:blipFill>
         <p:spPr>
           <a:xfrm>
-            <a:off x="4791522" y="1346348"/>
-            <a:ext cx="6489819" cy="4185933"/>
+            <a:off x="4169915" y="1094257"/>
+            <a:ext cx="7956468" cy="5131922"/>
           </a:xfrm>
           <a:prstGeom prst="rect">
             <a:avLst/>
@@ -4314,23 +4317,25 @@
         </p:nvSpPr>
         <p:spPr/>
         <p:txBody>
-          <a:bodyPr/>
+          <a:bodyPr>
+            <a:normAutofit/>
+          </a:bodyPr>
           <a:lstStyle/>
           <a:p>
             <a:r>
-              <a:rPr lang="en-US" dirty="0"/>
+              <a:rPr lang="en-US" sz="2400" dirty="0"/>
               <a:t>This introduction to OpenGL has exposed us to a large amount of the versatility and usability in its API.</a:t>
             </a:r>
           </a:p>
           <a:p>
             <a:r>
-              <a:rPr lang="en-US" dirty="0"/>
+              <a:rPr lang="en-US" sz="2400" dirty="0"/>
               <a:t>The first part gave us basic knowledge of primitives and eased us into how to create shapes of different sizes, and colors.</a:t>
             </a:r>
           </a:p>
           <a:p>
             <a:r>
-              <a:rPr lang="en-US" dirty="0"/>
+              <a:rPr lang="en-US" sz="2400" dirty="0"/>
               <a:t>The second part was more complex (with the create of a functions to create homes, random mountains, and random trees), but was a good way for us to learn house to create code reusable code, and add more variety to our drawings.</a:t>
             </a:r>
           </a:p>
@@ -4806,33 +4811,33 @@
           <a:lstStyle/>
           <a:p>
             <a:r>
-              <a:rPr lang="en-US" dirty="0"/>
-              <a:t>The first part focuses around create primitives into shapes of vary sizes, colors, gradients, and masks.</a:t>
-            </a:r>
-          </a:p>
-          <a:p>
-            <a:r>
-              <a:rPr lang="en-US" dirty="0"/>
+              <a:rPr lang="en-US" sz="2000" dirty="0"/>
+              <a:t>The first part focuses around creating shapes of vary sizes, colors, gradients, and masks using primitives.</a:t>
+            </a:r>
+          </a:p>
+          <a:p>
+            <a:r>
+              <a:rPr lang="en-US" sz="2000" dirty="0"/>
               <a:t>The primitives built into </a:t>
             </a:r>
             <a:r>
-              <a:rPr lang="en-US" dirty="0" err="1"/>
+              <a:rPr lang="en-US" sz="2000" dirty="0" err="1"/>
               <a:t>OpenGl</a:t>
             </a:r>
             <a:r>
-              <a:rPr lang="en-US" dirty="0"/>
+              <a:rPr lang="en-US" sz="2000" dirty="0"/>
               <a:t> include GL_POINTS, GL_LINES, GL_LINE_LOOP, GL_LINE_STRIP, GL_TRIANGLES, GL_TRIANGLE_STRIP, and the GL_TRIANGLE_FAN.</a:t>
             </a:r>
           </a:p>
           <a:p>
             <a:r>
-              <a:rPr lang="en-US" dirty="0"/>
+              <a:rPr lang="en-US" sz="2000" dirty="0"/>
               <a:t>These primitives can be a solid color, have a gradient applied by changing the color of a corner.</a:t>
             </a:r>
           </a:p>
           <a:p>
             <a:r>
-              <a:rPr lang="en-US" dirty="0"/>
+              <a:rPr lang="en-US" sz="2000" dirty="0"/>
               <a:t>Masks can be applied to selectively select certain pixels to show; this may make the shape hard to see, so creating a non-mask copy of a different color behind the masked shape could be useful to be able to see the masked shape.</a:t>
             </a:r>
           </a:p>
@@ -4920,8 +4925,8 @@
         </p:blipFill>
         <p:spPr>
           <a:xfrm>
-            <a:off x="3248431" y="2181225"/>
-            <a:ext cx="5695138" cy="3678238"/>
+            <a:off x="3167166" y="653556"/>
+            <a:ext cx="8953714" cy="5828742"/>
           </a:xfrm>
           <a:prstGeom prst="rect">
             <a:avLst/>
@@ -5184,31 +5189,31 @@
           <a:lstStyle/>
           <a:p>
             <a:r>
-              <a:rPr lang="en-US" dirty="0"/>
+              <a:rPr lang="en-US" sz="2000" dirty="0"/>
               <a:t>The second part focuses on applying our knowledge of primitives to create a meaningful image; a neighborhood.</a:t>
             </a:r>
           </a:p>
           <a:p>
             <a:r>
-              <a:rPr lang="en-US" dirty="0"/>
+              <a:rPr lang="en-US" sz="2000" dirty="0"/>
               <a:t>To create a neighborhood we need a sky, a landscape, a road, some houses, and maybe some trees.</a:t>
             </a:r>
           </a:p>
           <a:p>
             <a:r>
-              <a:rPr lang="en-US" dirty="0"/>
+              <a:rPr lang="en-US" sz="2000" dirty="0"/>
               <a:t>Each of these parts were separately created to make the whole process easier to manage.</a:t>
             </a:r>
           </a:p>
           <a:p>
             <a:r>
-              <a:rPr lang="en-US" dirty="0"/>
+              <a:rPr lang="en-US" sz="2000" dirty="0"/>
               <a:t>We explored the idea of creating a function to create a structure of certain dimensions seamlessly.</a:t>
             </a:r>
           </a:p>
           <a:p>
             <a:r>
-              <a:rPr lang="en-US" dirty="0"/>
+              <a:rPr lang="en-US" sz="2000" dirty="0"/>
               <a:t>We also explored the idea of randomly generating some parts using random number generation to offset vertices.</a:t>
             </a:r>
           </a:p>
@@ -5534,8 +5539,8 @@
         </p:blipFill>
         <p:spPr>
           <a:xfrm>
-            <a:off x="4791522" y="1346348"/>
-            <a:ext cx="6489819" cy="4185933"/>
+            <a:off x="4241830" y="894070"/>
+            <a:ext cx="7917334" cy="5106680"/>
           </a:xfrm>
           <a:prstGeom prst="rect">
             <a:avLst/>
@@ -5884,8 +5889,8 @@
         </p:blipFill>
         <p:spPr>
           <a:xfrm>
-            <a:off x="4241830" y="1089173"/>
-            <a:ext cx="7836360" cy="5054452"/>
+            <a:off x="4188417" y="888826"/>
+            <a:ext cx="7964351" cy="5137006"/>
           </a:xfrm>
           <a:prstGeom prst="rect">
             <a:avLst/>
@@ -6187,7 +6192,7 @@
                   <a:schemeClr val="bg1"/>
                 </a:solidFill>
               </a:rPr>
-              <a:t>The provided brick mask and a roof mask were applied which did not work as well for the smaller houses, but worked quite well on the larger house.</a:t>
+              <a:t>The provided brick mask and a roof mask were applied which did not work as well for the smaller houses but worked quite well on the larger house.</a:t>
             </a:r>
           </a:p>
           <a:p>
@@ -6224,8 +6229,8 @@
         </p:blipFill>
         <p:spPr>
           <a:xfrm>
-            <a:off x="4791522" y="1346348"/>
-            <a:ext cx="6489819" cy="4185933"/>
+            <a:off x="4155672" y="850022"/>
+            <a:ext cx="7996830" cy="5157955"/>
           </a:xfrm>
           <a:prstGeom prst="rect">
             <a:avLst/>
@@ -6564,8 +6569,8 @@
         </p:blipFill>
         <p:spPr>
           <a:xfrm>
-            <a:off x="4791522" y="1346348"/>
-            <a:ext cx="6489819" cy="4185933"/>
+            <a:off x="4169916" y="702155"/>
+            <a:ext cx="7940480" cy="5121609"/>
           </a:xfrm>
           <a:prstGeom prst="rect">
             <a:avLst/>
